--- a/06. 分布式数字身份体系与密钥找回机制 (2021) .pptx
+++ b/06. 分布式数字身份体系与密钥找回机制 (2021) .pptx
@@ -4932,8 +4932,8 @@
         </p:nvSpPr>
         <p:spPr>
           <a:xfrm>
-            <a:off x="1041400" y="1423035"/>
-            <a:ext cx="7230745" cy="2623185"/>
+            <a:off x="455295" y="1793875"/>
+            <a:ext cx="8317230" cy="2192020"/>
           </a:xfrm>
           <a:prstGeom prst="rect">
             <a:avLst/>
@@ -5052,14 +5052,6 @@
             <a:r>
               <a:rPr lang="en-US" altLang="zh-CN" sz="2000"/>
               <a:t>5. </a:t>
-            </a:r>
-            <a:r>
-              <a:rPr lang="zh-CN" altLang="en-US" sz="2000"/>
-              <a:t>安全多方计算</a:t>
-            </a:r>
-            <a:r>
-              <a:rPr lang="en-US" altLang="zh-CN" sz="2000"/>
-              <a:t> + </a:t>
             </a:r>
             <a:r>
               <a:rPr lang="zh-CN" altLang="en-US" sz="2000"/>
